--- a/Code_forge_presentation.pptx
+++ b/Code_forge_presentation.pptx
@@ -112,6 +112,11 @@
       </a:defRPr>
     </a:lvl9pPr>
   </p:defaultTextStyle>
+  <p:extLst>
+    <p:ext uri="{EFAFB233-063F-42B5-8137-9DF3F51BA10A}">
+      <p15:sldGuideLst xmlns:p15="http://schemas.microsoft.com/office/powerpoint/2012/main"/>
+    </p:ext>
+  </p:extLst>
 </p:presentation>
 </file>
 
@@ -137,7 +142,7 @@
           <p:cNvPr id="2" name="Title 1">
             <a:extLst>
               <a:ext uri="{FF2B5EF4-FFF2-40B4-BE49-F238E27FC236}">
-                <a16:creationId xmlns="" xmlns:a16="http://schemas.microsoft.com/office/drawing/2014/main" id="{DAF315E4-8F5B-F731-0AE9-2F2CFD7BEABE}"/>
+                <a16:creationId xmlns:a16="http://schemas.microsoft.com/office/drawing/2014/main" xmlns="" id="{DAF315E4-8F5B-F731-0AE9-2F2CFD7BEABE}"/>
               </a:ext>
             </a:extLst>
           </p:cNvPr>
@@ -175,7 +180,7 @@
           <p:cNvPr id="3" name="Subtitle 2">
             <a:extLst>
               <a:ext uri="{FF2B5EF4-FFF2-40B4-BE49-F238E27FC236}">
-                <a16:creationId xmlns="" xmlns:a16="http://schemas.microsoft.com/office/drawing/2014/main" id="{662593AD-9BE1-985E-AA3A-A60043967AC9}"/>
+                <a16:creationId xmlns:a16="http://schemas.microsoft.com/office/drawing/2014/main" xmlns="" id="{662593AD-9BE1-985E-AA3A-A60043967AC9}"/>
               </a:ext>
             </a:extLst>
           </p:cNvPr>
@@ -246,7 +251,7 @@
           <p:cNvPr id="4" name="Date Placeholder 3">
             <a:extLst>
               <a:ext uri="{FF2B5EF4-FFF2-40B4-BE49-F238E27FC236}">
-                <a16:creationId xmlns="" xmlns:a16="http://schemas.microsoft.com/office/drawing/2014/main" id="{191E5699-FFD0-8FE6-582E-A60ADD0287F3}"/>
+                <a16:creationId xmlns:a16="http://schemas.microsoft.com/office/drawing/2014/main" xmlns="" id="{191E5699-FFD0-8FE6-582E-A60ADD0287F3}"/>
               </a:ext>
             </a:extLst>
           </p:cNvPr>
@@ -264,7 +269,7 @@
           <a:p>
             <a:fld id="{09328780-FE7F-4983-868D-23984954519B}" type="datetimeFigureOut">
               <a:rPr lang="en-GB" smtClean="0"/>
-              <a:t>23/11/2024</a:t>
+              <a:t>24/11/2024</a:t>
             </a:fld>
             <a:endParaRPr lang="en-GB"/>
           </a:p>
@@ -275,7 +280,7 @@
           <p:cNvPr id="5" name="Footer Placeholder 4">
             <a:extLst>
               <a:ext uri="{FF2B5EF4-FFF2-40B4-BE49-F238E27FC236}">
-                <a16:creationId xmlns="" xmlns:a16="http://schemas.microsoft.com/office/drawing/2014/main" id="{A5A6642D-A60B-0E38-9AF4-9B2C11841855}"/>
+                <a16:creationId xmlns:a16="http://schemas.microsoft.com/office/drawing/2014/main" xmlns="" id="{A5A6642D-A60B-0E38-9AF4-9B2C11841855}"/>
               </a:ext>
             </a:extLst>
           </p:cNvPr>
@@ -300,7 +305,7 @@
           <p:cNvPr id="6" name="Slide Number Placeholder 5">
             <a:extLst>
               <a:ext uri="{FF2B5EF4-FFF2-40B4-BE49-F238E27FC236}">
-                <a16:creationId xmlns="" xmlns:a16="http://schemas.microsoft.com/office/drawing/2014/main" id="{F31540C0-6377-1BA1-0C02-5F049CD08125}"/>
+                <a16:creationId xmlns:a16="http://schemas.microsoft.com/office/drawing/2014/main" xmlns="" id="{F31540C0-6377-1BA1-0C02-5F049CD08125}"/>
               </a:ext>
             </a:extLst>
           </p:cNvPr>
@@ -359,7 +364,7 @@
           <p:cNvPr id="2" name="Title 1">
             <a:extLst>
               <a:ext uri="{FF2B5EF4-FFF2-40B4-BE49-F238E27FC236}">
-                <a16:creationId xmlns="" xmlns:a16="http://schemas.microsoft.com/office/drawing/2014/main" id="{323F322A-3938-0081-47EB-8ADA348FAD34}"/>
+                <a16:creationId xmlns:a16="http://schemas.microsoft.com/office/drawing/2014/main" xmlns="" id="{323F322A-3938-0081-47EB-8ADA348FAD34}"/>
               </a:ext>
             </a:extLst>
           </p:cNvPr>
@@ -388,7 +393,7 @@
           <p:cNvPr id="3" name="Vertical Text Placeholder 2">
             <a:extLst>
               <a:ext uri="{FF2B5EF4-FFF2-40B4-BE49-F238E27FC236}">
-                <a16:creationId xmlns="" xmlns:a16="http://schemas.microsoft.com/office/drawing/2014/main" id="{32B84ADD-BC72-E1D3-9983-D8FBF8EB348D}"/>
+                <a16:creationId xmlns:a16="http://schemas.microsoft.com/office/drawing/2014/main" xmlns="" id="{32B84ADD-BC72-E1D3-9983-D8FBF8EB348D}"/>
               </a:ext>
             </a:extLst>
           </p:cNvPr>
@@ -446,7 +451,7 @@
           <p:cNvPr id="4" name="Date Placeholder 3">
             <a:extLst>
               <a:ext uri="{FF2B5EF4-FFF2-40B4-BE49-F238E27FC236}">
-                <a16:creationId xmlns="" xmlns:a16="http://schemas.microsoft.com/office/drawing/2014/main" id="{E25E8FFF-5735-9661-5F8B-878DEA17FBCC}"/>
+                <a16:creationId xmlns:a16="http://schemas.microsoft.com/office/drawing/2014/main" xmlns="" id="{E25E8FFF-5735-9661-5F8B-878DEA17FBCC}"/>
               </a:ext>
             </a:extLst>
           </p:cNvPr>
@@ -464,7 +469,7 @@
           <a:p>
             <a:fld id="{09328780-FE7F-4983-868D-23984954519B}" type="datetimeFigureOut">
               <a:rPr lang="en-GB" smtClean="0"/>
-              <a:t>23/11/2024</a:t>
+              <a:t>24/11/2024</a:t>
             </a:fld>
             <a:endParaRPr lang="en-GB"/>
           </a:p>
@@ -475,7 +480,7 @@
           <p:cNvPr id="5" name="Footer Placeholder 4">
             <a:extLst>
               <a:ext uri="{FF2B5EF4-FFF2-40B4-BE49-F238E27FC236}">
-                <a16:creationId xmlns="" xmlns:a16="http://schemas.microsoft.com/office/drawing/2014/main" id="{BE136F71-4F6F-E7D1-3836-C5A5D977D1E0}"/>
+                <a16:creationId xmlns:a16="http://schemas.microsoft.com/office/drawing/2014/main" xmlns="" id="{BE136F71-4F6F-E7D1-3836-C5A5D977D1E0}"/>
               </a:ext>
             </a:extLst>
           </p:cNvPr>
@@ -500,7 +505,7 @@
           <p:cNvPr id="6" name="Slide Number Placeholder 5">
             <a:extLst>
               <a:ext uri="{FF2B5EF4-FFF2-40B4-BE49-F238E27FC236}">
-                <a16:creationId xmlns="" xmlns:a16="http://schemas.microsoft.com/office/drawing/2014/main" id="{7563263A-BED3-C355-CAFC-2627E5A006AF}"/>
+                <a16:creationId xmlns:a16="http://schemas.microsoft.com/office/drawing/2014/main" xmlns="" id="{7563263A-BED3-C355-CAFC-2627E5A006AF}"/>
               </a:ext>
             </a:extLst>
           </p:cNvPr>
@@ -559,7 +564,7 @@
           <p:cNvPr id="2" name="Vertical Title 1">
             <a:extLst>
               <a:ext uri="{FF2B5EF4-FFF2-40B4-BE49-F238E27FC236}">
-                <a16:creationId xmlns="" xmlns:a16="http://schemas.microsoft.com/office/drawing/2014/main" id="{72AA22AD-4961-CD3E-4A17-EB582000323C}"/>
+                <a16:creationId xmlns:a16="http://schemas.microsoft.com/office/drawing/2014/main" xmlns="" id="{72AA22AD-4961-CD3E-4A17-EB582000323C}"/>
               </a:ext>
             </a:extLst>
           </p:cNvPr>
@@ -593,7 +598,7 @@
           <p:cNvPr id="3" name="Vertical Text Placeholder 2">
             <a:extLst>
               <a:ext uri="{FF2B5EF4-FFF2-40B4-BE49-F238E27FC236}">
-                <a16:creationId xmlns="" xmlns:a16="http://schemas.microsoft.com/office/drawing/2014/main" id="{CF1DA6E2-943C-8825-57AA-F56255568D1D}"/>
+                <a16:creationId xmlns:a16="http://schemas.microsoft.com/office/drawing/2014/main" xmlns="" id="{CF1DA6E2-943C-8825-57AA-F56255568D1D}"/>
               </a:ext>
             </a:extLst>
           </p:cNvPr>
@@ -656,7 +661,7 @@
           <p:cNvPr id="4" name="Date Placeholder 3">
             <a:extLst>
               <a:ext uri="{FF2B5EF4-FFF2-40B4-BE49-F238E27FC236}">
-                <a16:creationId xmlns="" xmlns:a16="http://schemas.microsoft.com/office/drawing/2014/main" id="{5C9780A4-5641-2F64-13A4-1BFC33C2A11F}"/>
+                <a16:creationId xmlns:a16="http://schemas.microsoft.com/office/drawing/2014/main" xmlns="" id="{5C9780A4-5641-2F64-13A4-1BFC33C2A11F}"/>
               </a:ext>
             </a:extLst>
           </p:cNvPr>
@@ -674,7 +679,7 @@
           <a:p>
             <a:fld id="{09328780-FE7F-4983-868D-23984954519B}" type="datetimeFigureOut">
               <a:rPr lang="en-GB" smtClean="0"/>
-              <a:t>23/11/2024</a:t>
+              <a:t>24/11/2024</a:t>
             </a:fld>
             <a:endParaRPr lang="en-GB"/>
           </a:p>
@@ -685,7 +690,7 @@
           <p:cNvPr id="5" name="Footer Placeholder 4">
             <a:extLst>
               <a:ext uri="{FF2B5EF4-FFF2-40B4-BE49-F238E27FC236}">
-                <a16:creationId xmlns="" xmlns:a16="http://schemas.microsoft.com/office/drawing/2014/main" id="{5D742D2A-5A34-5870-F014-09B2850C93D8}"/>
+                <a16:creationId xmlns:a16="http://schemas.microsoft.com/office/drawing/2014/main" xmlns="" id="{5D742D2A-5A34-5870-F014-09B2850C93D8}"/>
               </a:ext>
             </a:extLst>
           </p:cNvPr>
@@ -710,7 +715,7 @@
           <p:cNvPr id="6" name="Slide Number Placeholder 5">
             <a:extLst>
               <a:ext uri="{FF2B5EF4-FFF2-40B4-BE49-F238E27FC236}">
-                <a16:creationId xmlns="" xmlns:a16="http://schemas.microsoft.com/office/drawing/2014/main" id="{20C4E870-1E35-DE5A-FFA5-7BBC63E39777}"/>
+                <a16:creationId xmlns:a16="http://schemas.microsoft.com/office/drawing/2014/main" xmlns="" id="{20C4E870-1E35-DE5A-FFA5-7BBC63E39777}"/>
               </a:ext>
             </a:extLst>
           </p:cNvPr>
@@ -769,7 +774,7 @@
           <p:cNvPr id="2" name="Title 1">
             <a:extLst>
               <a:ext uri="{FF2B5EF4-FFF2-40B4-BE49-F238E27FC236}">
-                <a16:creationId xmlns="" xmlns:a16="http://schemas.microsoft.com/office/drawing/2014/main" id="{869948E8-3D78-844A-4CF2-EE2A3861FED5}"/>
+                <a16:creationId xmlns:a16="http://schemas.microsoft.com/office/drawing/2014/main" xmlns="" id="{869948E8-3D78-844A-4CF2-EE2A3861FED5}"/>
               </a:ext>
             </a:extLst>
           </p:cNvPr>
@@ -798,7 +803,7 @@
           <p:cNvPr id="3" name="Content Placeholder 2">
             <a:extLst>
               <a:ext uri="{FF2B5EF4-FFF2-40B4-BE49-F238E27FC236}">
-                <a16:creationId xmlns="" xmlns:a16="http://schemas.microsoft.com/office/drawing/2014/main" id="{42DBA4AC-8545-5FB6-A643-12393472226C}"/>
+                <a16:creationId xmlns:a16="http://schemas.microsoft.com/office/drawing/2014/main" xmlns="" id="{42DBA4AC-8545-5FB6-A643-12393472226C}"/>
               </a:ext>
             </a:extLst>
           </p:cNvPr>
@@ -856,7 +861,7 @@
           <p:cNvPr id="4" name="Date Placeholder 3">
             <a:extLst>
               <a:ext uri="{FF2B5EF4-FFF2-40B4-BE49-F238E27FC236}">
-                <a16:creationId xmlns="" xmlns:a16="http://schemas.microsoft.com/office/drawing/2014/main" id="{69C2C748-64C1-80A2-90BD-65E9564AC8F2}"/>
+                <a16:creationId xmlns:a16="http://schemas.microsoft.com/office/drawing/2014/main" xmlns="" id="{69C2C748-64C1-80A2-90BD-65E9564AC8F2}"/>
               </a:ext>
             </a:extLst>
           </p:cNvPr>
@@ -874,7 +879,7 @@
           <a:p>
             <a:fld id="{09328780-FE7F-4983-868D-23984954519B}" type="datetimeFigureOut">
               <a:rPr lang="en-GB" smtClean="0"/>
-              <a:t>23/11/2024</a:t>
+              <a:t>24/11/2024</a:t>
             </a:fld>
             <a:endParaRPr lang="en-GB"/>
           </a:p>
@@ -885,7 +890,7 @@
           <p:cNvPr id="5" name="Footer Placeholder 4">
             <a:extLst>
               <a:ext uri="{FF2B5EF4-FFF2-40B4-BE49-F238E27FC236}">
-                <a16:creationId xmlns="" xmlns:a16="http://schemas.microsoft.com/office/drawing/2014/main" id="{BDB633ED-6D27-AB13-744A-04FDB2EA85DC}"/>
+                <a16:creationId xmlns:a16="http://schemas.microsoft.com/office/drawing/2014/main" xmlns="" id="{BDB633ED-6D27-AB13-744A-04FDB2EA85DC}"/>
               </a:ext>
             </a:extLst>
           </p:cNvPr>
@@ -910,7 +915,7 @@
           <p:cNvPr id="6" name="Slide Number Placeholder 5">
             <a:extLst>
               <a:ext uri="{FF2B5EF4-FFF2-40B4-BE49-F238E27FC236}">
-                <a16:creationId xmlns="" xmlns:a16="http://schemas.microsoft.com/office/drawing/2014/main" id="{C90D2444-6263-579B-3070-8DC22509EFE3}"/>
+                <a16:creationId xmlns:a16="http://schemas.microsoft.com/office/drawing/2014/main" xmlns="" id="{C90D2444-6263-579B-3070-8DC22509EFE3}"/>
               </a:ext>
             </a:extLst>
           </p:cNvPr>
@@ -969,7 +974,7 @@
           <p:cNvPr id="2" name="Title 1">
             <a:extLst>
               <a:ext uri="{FF2B5EF4-FFF2-40B4-BE49-F238E27FC236}">
-                <a16:creationId xmlns="" xmlns:a16="http://schemas.microsoft.com/office/drawing/2014/main" id="{8B7F2BB0-3310-E18A-CAB6-0C44A2E7F3DC}"/>
+                <a16:creationId xmlns:a16="http://schemas.microsoft.com/office/drawing/2014/main" xmlns="" id="{8B7F2BB0-3310-E18A-CAB6-0C44A2E7F3DC}"/>
               </a:ext>
             </a:extLst>
           </p:cNvPr>
@@ -1007,7 +1012,7 @@
           <p:cNvPr id="3" name="Text Placeholder 2">
             <a:extLst>
               <a:ext uri="{FF2B5EF4-FFF2-40B4-BE49-F238E27FC236}">
-                <a16:creationId xmlns="" xmlns:a16="http://schemas.microsoft.com/office/drawing/2014/main" id="{A0445BE6-CD69-A783-5358-814515B8BFAB}"/>
+                <a16:creationId xmlns:a16="http://schemas.microsoft.com/office/drawing/2014/main" xmlns="" id="{A0445BE6-CD69-A783-5358-814515B8BFAB}"/>
               </a:ext>
             </a:extLst>
           </p:cNvPr>
@@ -1132,7 +1137,7 @@
           <p:cNvPr id="4" name="Date Placeholder 3">
             <a:extLst>
               <a:ext uri="{FF2B5EF4-FFF2-40B4-BE49-F238E27FC236}">
-                <a16:creationId xmlns="" xmlns:a16="http://schemas.microsoft.com/office/drawing/2014/main" id="{F2F73045-1B10-B8AD-34D4-C94D0B07C104}"/>
+                <a16:creationId xmlns:a16="http://schemas.microsoft.com/office/drawing/2014/main" xmlns="" id="{F2F73045-1B10-B8AD-34D4-C94D0B07C104}"/>
               </a:ext>
             </a:extLst>
           </p:cNvPr>
@@ -1150,7 +1155,7 @@
           <a:p>
             <a:fld id="{09328780-FE7F-4983-868D-23984954519B}" type="datetimeFigureOut">
               <a:rPr lang="en-GB" smtClean="0"/>
-              <a:t>23/11/2024</a:t>
+              <a:t>24/11/2024</a:t>
             </a:fld>
             <a:endParaRPr lang="en-GB"/>
           </a:p>
@@ -1161,7 +1166,7 @@
           <p:cNvPr id="5" name="Footer Placeholder 4">
             <a:extLst>
               <a:ext uri="{FF2B5EF4-FFF2-40B4-BE49-F238E27FC236}">
-                <a16:creationId xmlns="" xmlns:a16="http://schemas.microsoft.com/office/drawing/2014/main" id="{EAE24A43-67D1-F81E-D460-74A20373CE4C}"/>
+                <a16:creationId xmlns:a16="http://schemas.microsoft.com/office/drawing/2014/main" xmlns="" id="{EAE24A43-67D1-F81E-D460-74A20373CE4C}"/>
               </a:ext>
             </a:extLst>
           </p:cNvPr>
@@ -1186,7 +1191,7 @@
           <p:cNvPr id="6" name="Slide Number Placeholder 5">
             <a:extLst>
               <a:ext uri="{FF2B5EF4-FFF2-40B4-BE49-F238E27FC236}">
-                <a16:creationId xmlns="" xmlns:a16="http://schemas.microsoft.com/office/drawing/2014/main" id="{DC6AF410-877E-646F-2268-EDA595EF01A5}"/>
+                <a16:creationId xmlns:a16="http://schemas.microsoft.com/office/drawing/2014/main" xmlns="" id="{DC6AF410-877E-646F-2268-EDA595EF01A5}"/>
               </a:ext>
             </a:extLst>
           </p:cNvPr>
@@ -1245,7 +1250,7 @@
           <p:cNvPr id="2" name="Title 1">
             <a:extLst>
               <a:ext uri="{FF2B5EF4-FFF2-40B4-BE49-F238E27FC236}">
-                <a16:creationId xmlns="" xmlns:a16="http://schemas.microsoft.com/office/drawing/2014/main" id="{B26BE35E-95A3-B19B-FF26-3BD68ACED69C}"/>
+                <a16:creationId xmlns:a16="http://schemas.microsoft.com/office/drawing/2014/main" xmlns="" id="{B26BE35E-95A3-B19B-FF26-3BD68ACED69C}"/>
               </a:ext>
             </a:extLst>
           </p:cNvPr>
@@ -1274,7 +1279,7 @@
           <p:cNvPr id="3" name="Content Placeholder 2">
             <a:extLst>
               <a:ext uri="{FF2B5EF4-FFF2-40B4-BE49-F238E27FC236}">
-                <a16:creationId xmlns="" xmlns:a16="http://schemas.microsoft.com/office/drawing/2014/main" id="{6D0DBAFA-8ABB-5F35-D4AA-2CC368F729E5}"/>
+                <a16:creationId xmlns:a16="http://schemas.microsoft.com/office/drawing/2014/main" xmlns="" id="{6D0DBAFA-8ABB-5F35-D4AA-2CC368F729E5}"/>
               </a:ext>
             </a:extLst>
           </p:cNvPr>
@@ -1337,7 +1342,7 @@
           <p:cNvPr id="4" name="Content Placeholder 3">
             <a:extLst>
               <a:ext uri="{FF2B5EF4-FFF2-40B4-BE49-F238E27FC236}">
-                <a16:creationId xmlns="" xmlns:a16="http://schemas.microsoft.com/office/drawing/2014/main" id="{C22E368F-44D9-E8C8-3D59-75A357BECCE3}"/>
+                <a16:creationId xmlns:a16="http://schemas.microsoft.com/office/drawing/2014/main" xmlns="" id="{C22E368F-44D9-E8C8-3D59-75A357BECCE3}"/>
               </a:ext>
             </a:extLst>
           </p:cNvPr>
@@ -1400,7 +1405,7 @@
           <p:cNvPr id="5" name="Date Placeholder 4">
             <a:extLst>
               <a:ext uri="{FF2B5EF4-FFF2-40B4-BE49-F238E27FC236}">
-                <a16:creationId xmlns="" xmlns:a16="http://schemas.microsoft.com/office/drawing/2014/main" id="{6D4B116B-4725-AEC7-0875-9F2D0D136AEF}"/>
+                <a16:creationId xmlns:a16="http://schemas.microsoft.com/office/drawing/2014/main" xmlns="" id="{6D4B116B-4725-AEC7-0875-9F2D0D136AEF}"/>
               </a:ext>
             </a:extLst>
           </p:cNvPr>
@@ -1418,7 +1423,7 @@
           <a:p>
             <a:fld id="{09328780-FE7F-4983-868D-23984954519B}" type="datetimeFigureOut">
               <a:rPr lang="en-GB" smtClean="0"/>
-              <a:t>23/11/2024</a:t>
+              <a:t>24/11/2024</a:t>
             </a:fld>
             <a:endParaRPr lang="en-GB"/>
           </a:p>
@@ -1429,7 +1434,7 @@
           <p:cNvPr id="6" name="Footer Placeholder 5">
             <a:extLst>
               <a:ext uri="{FF2B5EF4-FFF2-40B4-BE49-F238E27FC236}">
-                <a16:creationId xmlns="" xmlns:a16="http://schemas.microsoft.com/office/drawing/2014/main" id="{2C16CCB0-28C9-FAF2-C431-E4845F02D635}"/>
+                <a16:creationId xmlns:a16="http://schemas.microsoft.com/office/drawing/2014/main" xmlns="" id="{2C16CCB0-28C9-FAF2-C431-E4845F02D635}"/>
               </a:ext>
             </a:extLst>
           </p:cNvPr>
@@ -1454,7 +1459,7 @@
           <p:cNvPr id="7" name="Slide Number Placeholder 6">
             <a:extLst>
               <a:ext uri="{FF2B5EF4-FFF2-40B4-BE49-F238E27FC236}">
-                <a16:creationId xmlns="" xmlns:a16="http://schemas.microsoft.com/office/drawing/2014/main" id="{698A9EFF-D4CC-2BDD-DE44-5E438E2F559F}"/>
+                <a16:creationId xmlns:a16="http://schemas.microsoft.com/office/drawing/2014/main" xmlns="" id="{698A9EFF-D4CC-2BDD-DE44-5E438E2F559F}"/>
               </a:ext>
             </a:extLst>
           </p:cNvPr>
@@ -1513,7 +1518,7 @@
           <p:cNvPr id="2" name="Title 1">
             <a:extLst>
               <a:ext uri="{FF2B5EF4-FFF2-40B4-BE49-F238E27FC236}">
-                <a16:creationId xmlns="" xmlns:a16="http://schemas.microsoft.com/office/drawing/2014/main" id="{4EBFDD4F-4707-89B6-6EC8-923B26E28891}"/>
+                <a16:creationId xmlns:a16="http://schemas.microsoft.com/office/drawing/2014/main" xmlns="" id="{4EBFDD4F-4707-89B6-6EC8-923B26E28891}"/>
               </a:ext>
             </a:extLst>
           </p:cNvPr>
@@ -1547,7 +1552,7 @@
           <p:cNvPr id="3" name="Text Placeholder 2">
             <a:extLst>
               <a:ext uri="{FF2B5EF4-FFF2-40B4-BE49-F238E27FC236}">
-                <a16:creationId xmlns="" xmlns:a16="http://schemas.microsoft.com/office/drawing/2014/main" id="{37AB2879-6315-3071-08F2-DFA7ED076F99}"/>
+                <a16:creationId xmlns:a16="http://schemas.microsoft.com/office/drawing/2014/main" xmlns="" id="{37AB2879-6315-3071-08F2-DFA7ED076F99}"/>
               </a:ext>
             </a:extLst>
           </p:cNvPr>
@@ -1618,7 +1623,7 @@
           <p:cNvPr id="4" name="Content Placeholder 3">
             <a:extLst>
               <a:ext uri="{FF2B5EF4-FFF2-40B4-BE49-F238E27FC236}">
-                <a16:creationId xmlns="" xmlns:a16="http://schemas.microsoft.com/office/drawing/2014/main" id="{E067C1EE-3FA6-40FB-1D76-57756B118B14}"/>
+                <a16:creationId xmlns:a16="http://schemas.microsoft.com/office/drawing/2014/main" xmlns="" id="{E067C1EE-3FA6-40FB-1D76-57756B118B14}"/>
               </a:ext>
             </a:extLst>
           </p:cNvPr>
@@ -1681,7 +1686,7 @@
           <p:cNvPr id="5" name="Text Placeholder 4">
             <a:extLst>
               <a:ext uri="{FF2B5EF4-FFF2-40B4-BE49-F238E27FC236}">
-                <a16:creationId xmlns="" xmlns:a16="http://schemas.microsoft.com/office/drawing/2014/main" id="{049B04A7-F23E-C2F4-AD7D-6F8D9CA9DEF4}"/>
+                <a16:creationId xmlns:a16="http://schemas.microsoft.com/office/drawing/2014/main" xmlns="" id="{049B04A7-F23E-C2F4-AD7D-6F8D9CA9DEF4}"/>
               </a:ext>
             </a:extLst>
           </p:cNvPr>
@@ -1752,7 +1757,7 @@
           <p:cNvPr id="6" name="Content Placeholder 5">
             <a:extLst>
               <a:ext uri="{FF2B5EF4-FFF2-40B4-BE49-F238E27FC236}">
-                <a16:creationId xmlns="" xmlns:a16="http://schemas.microsoft.com/office/drawing/2014/main" id="{051C3AA6-16A0-FEBE-7EF4-4A7556EDBD0A}"/>
+                <a16:creationId xmlns:a16="http://schemas.microsoft.com/office/drawing/2014/main" xmlns="" id="{051C3AA6-16A0-FEBE-7EF4-4A7556EDBD0A}"/>
               </a:ext>
             </a:extLst>
           </p:cNvPr>
@@ -1815,7 +1820,7 @@
           <p:cNvPr id="7" name="Date Placeholder 6">
             <a:extLst>
               <a:ext uri="{FF2B5EF4-FFF2-40B4-BE49-F238E27FC236}">
-                <a16:creationId xmlns="" xmlns:a16="http://schemas.microsoft.com/office/drawing/2014/main" id="{07AFC1AE-983F-2D52-7D06-7CAA7A03923E}"/>
+                <a16:creationId xmlns:a16="http://schemas.microsoft.com/office/drawing/2014/main" xmlns="" id="{07AFC1AE-983F-2D52-7D06-7CAA7A03923E}"/>
               </a:ext>
             </a:extLst>
           </p:cNvPr>
@@ -1833,7 +1838,7 @@
           <a:p>
             <a:fld id="{09328780-FE7F-4983-868D-23984954519B}" type="datetimeFigureOut">
               <a:rPr lang="en-GB" smtClean="0"/>
-              <a:t>23/11/2024</a:t>
+              <a:t>24/11/2024</a:t>
             </a:fld>
             <a:endParaRPr lang="en-GB"/>
           </a:p>
@@ -1844,7 +1849,7 @@
           <p:cNvPr id="8" name="Footer Placeholder 7">
             <a:extLst>
               <a:ext uri="{FF2B5EF4-FFF2-40B4-BE49-F238E27FC236}">
-                <a16:creationId xmlns="" xmlns:a16="http://schemas.microsoft.com/office/drawing/2014/main" id="{EA80A587-4192-3D82-3DF5-81D9BBF8AEB7}"/>
+                <a16:creationId xmlns:a16="http://schemas.microsoft.com/office/drawing/2014/main" xmlns="" id="{EA80A587-4192-3D82-3DF5-81D9BBF8AEB7}"/>
               </a:ext>
             </a:extLst>
           </p:cNvPr>
@@ -1869,7 +1874,7 @@
           <p:cNvPr id="9" name="Slide Number Placeholder 8">
             <a:extLst>
               <a:ext uri="{FF2B5EF4-FFF2-40B4-BE49-F238E27FC236}">
-                <a16:creationId xmlns="" xmlns:a16="http://schemas.microsoft.com/office/drawing/2014/main" id="{C999AD84-0F7C-1222-B087-D430EE95B25E}"/>
+                <a16:creationId xmlns:a16="http://schemas.microsoft.com/office/drawing/2014/main" xmlns="" id="{C999AD84-0F7C-1222-B087-D430EE95B25E}"/>
               </a:ext>
             </a:extLst>
           </p:cNvPr>
@@ -1928,7 +1933,7 @@
           <p:cNvPr id="2" name="Title 1">
             <a:extLst>
               <a:ext uri="{FF2B5EF4-FFF2-40B4-BE49-F238E27FC236}">
-                <a16:creationId xmlns="" xmlns:a16="http://schemas.microsoft.com/office/drawing/2014/main" id="{9AFC7767-DF84-2261-7700-073157213597}"/>
+                <a16:creationId xmlns:a16="http://schemas.microsoft.com/office/drawing/2014/main" xmlns="" id="{9AFC7767-DF84-2261-7700-073157213597}"/>
               </a:ext>
             </a:extLst>
           </p:cNvPr>
@@ -1957,7 +1962,7 @@
           <p:cNvPr id="3" name="Date Placeholder 2">
             <a:extLst>
               <a:ext uri="{FF2B5EF4-FFF2-40B4-BE49-F238E27FC236}">
-                <a16:creationId xmlns="" xmlns:a16="http://schemas.microsoft.com/office/drawing/2014/main" id="{C7A315A5-CBBC-3C19-FABC-60B87163A6CA}"/>
+                <a16:creationId xmlns:a16="http://schemas.microsoft.com/office/drawing/2014/main" xmlns="" id="{C7A315A5-CBBC-3C19-FABC-60B87163A6CA}"/>
               </a:ext>
             </a:extLst>
           </p:cNvPr>
@@ -1975,7 +1980,7 @@
           <a:p>
             <a:fld id="{09328780-FE7F-4983-868D-23984954519B}" type="datetimeFigureOut">
               <a:rPr lang="en-GB" smtClean="0"/>
-              <a:t>23/11/2024</a:t>
+              <a:t>24/11/2024</a:t>
             </a:fld>
             <a:endParaRPr lang="en-GB"/>
           </a:p>
@@ -1986,7 +1991,7 @@
           <p:cNvPr id="4" name="Footer Placeholder 3">
             <a:extLst>
               <a:ext uri="{FF2B5EF4-FFF2-40B4-BE49-F238E27FC236}">
-                <a16:creationId xmlns="" xmlns:a16="http://schemas.microsoft.com/office/drawing/2014/main" id="{00434B55-CBA2-11DF-871E-519D77E1ABCA}"/>
+                <a16:creationId xmlns:a16="http://schemas.microsoft.com/office/drawing/2014/main" xmlns="" id="{00434B55-CBA2-11DF-871E-519D77E1ABCA}"/>
               </a:ext>
             </a:extLst>
           </p:cNvPr>
@@ -2011,7 +2016,7 @@
           <p:cNvPr id="5" name="Slide Number Placeholder 4">
             <a:extLst>
               <a:ext uri="{FF2B5EF4-FFF2-40B4-BE49-F238E27FC236}">
-                <a16:creationId xmlns="" xmlns:a16="http://schemas.microsoft.com/office/drawing/2014/main" id="{5B618D34-C4DA-0C0E-C12A-46B503A5654F}"/>
+                <a16:creationId xmlns:a16="http://schemas.microsoft.com/office/drawing/2014/main" xmlns="" id="{5B618D34-C4DA-0C0E-C12A-46B503A5654F}"/>
               </a:ext>
             </a:extLst>
           </p:cNvPr>
@@ -2070,7 +2075,7 @@
           <p:cNvPr id="2" name="Date Placeholder 1">
             <a:extLst>
               <a:ext uri="{FF2B5EF4-FFF2-40B4-BE49-F238E27FC236}">
-                <a16:creationId xmlns="" xmlns:a16="http://schemas.microsoft.com/office/drawing/2014/main" id="{1222B2D8-FB98-BC30-A78C-BEDBBAB13EA4}"/>
+                <a16:creationId xmlns:a16="http://schemas.microsoft.com/office/drawing/2014/main" xmlns="" id="{1222B2D8-FB98-BC30-A78C-BEDBBAB13EA4}"/>
               </a:ext>
             </a:extLst>
           </p:cNvPr>
@@ -2088,7 +2093,7 @@
           <a:p>
             <a:fld id="{09328780-FE7F-4983-868D-23984954519B}" type="datetimeFigureOut">
               <a:rPr lang="en-GB" smtClean="0"/>
-              <a:t>23/11/2024</a:t>
+              <a:t>24/11/2024</a:t>
             </a:fld>
             <a:endParaRPr lang="en-GB"/>
           </a:p>
@@ -2099,7 +2104,7 @@
           <p:cNvPr id="3" name="Footer Placeholder 2">
             <a:extLst>
               <a:ext uri="{FF2B5EF4-FFF2-40B4-BE49-F238E27FC236}">
-                <a16:creationId xmlns="" xmlns:a16="http://schemas.microsoft.com/office/drawing/2014/main" id="{4D263891-241C-05A6-F282-4C9127B1FB7F}"/>
+                <a16:creationId xmlns:a16="http://schemas.microsoft.com/office/drawing/2014/main" xmlns="" id="{4D263891-241C-05A6-F282-4C9127B1FB7F}"/>
               </a:ext>
             </a:extLst>
           </p:cNvPr>
@@ -2124,7 +2129,7 @@
           <p:cNvPr id="4" name="Slide Number Placeholder 3">
             <a:extLst>
               <a:ext uri="{FF2B5EF4-FFF2-40B4-BE49-F238E27FC236}">
-                <a16:creationId xmlns="" xmlns:a16="http://schemas.microsoft.com/office/drawing/2014/main" id="{B4C4B121-F1FF-8A53-0DDA-00660193B339}"/>
+                <a16:creationId xmlns:a16="http://schemas.microsoft.com/office/drawing/2014/main" xmlns="" id="{B4C4B121-F1FF-8A53-0DDA-00660193B339}"/>
               </a:ext>
             </a:extLst>
           </p:cNvPr>
@@ -2183,7 +2188,7 @@
           <p:cNvPr id="2" name="Title 1">
             <a:extLst>
               <a:ext uri="{FF2B5EF4-FFF2-40B4-BE49-F238E27FC236}">
-                <a16:creationId xmlns="" xmlns:a16="http://schemas.microsoft.com/office/drawing/2014/main" id="{EE804D08-F6CC-2133-070B-2A55F8BCEC01}"/>
+                <a16:creationId xmlns:a16="http://schemas.microsoft.com/office/drawing/2014/main" xmlns="" id="{EE804D08-F6CC-2133-070B-2A55F8BCEC01}"/>
               </a:ext>
             </a:extLst>
           </p:cNvPr>
@@ -2221,7 +2226,7 @@
           <p:cNvPr id="3" name="Content Placeholder 2">
             <a:extLst>
               <a:ext uri="{FF2B5EF4-FFF2-40B4-BE49-F238E27FC236}">
-                <a16:creationId xmlns="" xmlns:a16="http://schemas.microsoft.com/office/drawing/2014/main" id="{0791CA80-FD17-9CBD-7844-CF4B6BE97180}"/>
+                <a16:creationId xmlns:a16="http://schemas.microsoft.com/office/drawing/2014/main" xmlns="" id="{0791CA80-FD17-9CBD-7844-CF4B6BE97180}"/>
               </a:ext>
             </a:extLst>
           </p:cNvPr>
@@ -2312,7 +2317,7 @@
           <p:cNvPr id="4" name="Text Placeholder 3">
             <a:extLst>
               <a:ext uri="{FF2B5EF4-FFF2-40B4-BE49-F238E27FC236}">
-                <a16:creationId xmlns="" xmlns:a16="http://schemas.microsoft.com/office/drawing/2014/main" id="{71756EEB-E229-C5F1-A280-032A2F06D5E2}"/>
+                <a16:creationId xmlns:a16="http://schemas.microsoft.com/office/drawing/2014/main" xmlns="" id="{71756EEB-E229-C5F1-A280-032A2F06D5E2}"/>
               </a:ext>
             </a:extLst>
           </p:cNvPr>
@@ -2383,7 +2388,7 @@
           <p:cNvPr id="5" name="Date Placeholder 4">
             <a:extLst>
               <a:ext uri="{FF2B5EF4-FFF2-40B4-BE49-F238E27FC236}">
-                <a16:creationId xmlns="" xmlns:a16="http://schemas.microsoft.com/office/drawing/2014/main" id="{FE818536-46C3-DE8A-C5E9-AF27F47E0708}"/>
+                <a16:creationId xmlns:a16="http://schemas.microsoft.com/office/drawing/2014/main" xmlns="" id="{FE818536-46C3-DE8A-C5E9-AF27F47E0708}"/>
               </a:ext>
             </a:extLst>
           </p:cNvPr>
@@ -2401,7 +2406,7 @@
           <a:p>
             <a:fld id="{09328780-FE7F-4983-868D-23984954519B}" type="datetimeFigureOut">
               <a:rPr lang="en-GB" smtClean="0"/>
-              <a:t>23/11/2024</a:t>
+              <a:t>24/11/2024</a:t>
             </a:fld>
             <a:endParaRPr lang="en-GB"/>
           </a:p>
@@ -2412,7 +2417,7 @@
           <p:cNvPr id="6" name="Footer Placeholder 5">
             <a:extLst>
               <a:ext uri="{FF2B5EF4-FFF2-40B4-BE49-F238E27FC236}">
-                <a16:creationId xmlns="" xmlns:a16="http://schemas.microsoft.com/office/drawing/2014/main" id="{D29C6645-3614-D1A2-0177-173F1EE7D111}"/>
+                <a16:creationId xmlns:a16="http://schemas.microsoft.com/office/drawing/2014/main" xmlns="" id="{D29C6645-3614-D1A2-0177-173F1EE7D111}"/>
               </a:ext>
             </a:extLst>
           </p:cNvPr>
@@ -2437,7 +2442,7 @@
           <p:cNvPr id="7" name="Slide Number Placeholder 6">
             <a:extLst>
               <a:ext uri="{FF2B5EF4-FFF2-40B4-BE49-F238E27FC236}">
-                <a16:creationId xmlns="" xmlns:a16="http://schemas.microsoft.com/office/drawing/2014/main" id="{F3E68AA2-1C01-80A5-F2BA-B0F1552CC431}"/>
+                <a16:creationId xmlns:a16="http://schemas.microsoft.com/office/drawing/2014/main" xmlns="" id="{F3E68AA2-1C01-80A5-F2BA-B0F1552CC431}"/>
               </a:ext>
             </a:extLst>
           </p:cNvPr>
@@ -2496,7 +2501,7 @@
           <p:cNvPr id="2" name="Title 1">
             <a:extLst>
               <a:ext uri="{FF2B5EF4-FFF2-40B4-BE49-F238E27FC236}">
-                <a16:creationId xmlns="" xmlns:a16="http://schemas.microsoft.com/office/drawing/2014/main" id="{06C3CEA3-68DF-E1E4-AEC2-DF005A3B8E30}"/>
+                <a16:creationId xmlns:a16="http://schemas.microsoft.com/office/drawing/2014/main" xmlns="" id="{06C3CEA3-68DF-E1E4-AEC2-DF005A3B8E30}"/>
               </a:ext>
             </a:extLst>
           </p:cNvPr>
@@ -2534,7 +2539,7 @@
           <p:cNvPr id="3" name="Picture Placeholder 2">
             <a:extLst>
               <a:ext uri="{FF2B5EF4-FFF2-40B4-BE49-F238E27FC236}">
-                <a16:creationId xmlns="" xmlns:a16="http://schemas.microsoft.com/office/drawing/2014/main" id="{D72D16F7-A01B-BF32-832D-032D1004D08B}"/>
+                <a16:creationId xmlns:a16="http://schemas.microsoft.com/office/drawing/2014/main" xmlns="" id="{D72D16F7-A01B-BF32-832D-032D1004D08B}"/>
               </a:ext>
             </a:extLst>
           </p:cNvPr>
@@ -2605,7 +2610,7 @@
           <p:cNvPr id="4" name="Text Placeholder 3">
             <a:extLst>
               <a:ext uri="{FF2B5EF4-FFF2-40B4-BE49-F238E27FC236}">
-                <a16:creationId xmlns="" xmlns:a16="http://schemas.microsoft.com/office/drawing/2014/main" id="{CE8408A1-3DF0-8406-7A25-D0BCACF23AF2}"/>
+                <a16:creationId xmlns:a16="http://schemas.microsoft.com/office/drawing/2014/main" xmlns="" id="{CE8408A1-3DF0-8406-7A25-D0BCACF23AF2}"/>
               </a:ext>
             </a:extLst>
           </p:cNvPr>
@@ -2676,7 +2681,7 @@
           <p:cNvPr id="5" name="Date Placeholder 4">
             <a:extLst>
               <a:ext uri="{FF2B5EF4-FFF2-40B4-BE49-F238E27FC236}">
-                <a16:creationId xmlns="" xmlns:a16="http://schemas.microsoft.com/office/drawing/2014/main" id="{91485B79-4317-0CD7-0D01-FF4712C3BDBC}"/>
+                <a16:creationId xmlns:a16="http://schemas.microsoft.com/office/drawing/2014/main" xmlns="" id="{91485B79-4317-0CD7-0D01-FF4712C3BDBC}"/>
               </a:ext>
             </a:extLst>
           </p:cNvPr>
@@ -2694,7 +2699,7 @@
           <a:p>
             <a:fld id="{09328780-FE7F-4983-868D-23984954519B}" type="datetimeFigureOut">
               <a:rPr lang="en-GB" smtClean="0"/>
-              <a:t>23/11/2024</a:t>
+              <a:t>24/11/2024</a:t>
             </a:fld>
             <a:endParaRPr lang="en-GB"/>
           </a:p>
@@ -2705,7 +2710,7 @@
           <p:cNvPr id="6" name="Footer Placeholder 5">
             <a:extLst>
               <a:ext uri="{FF2B5EF4-FFF2-40B4-BE49-F238E27FC236}">
-                <a16:creationId xmlns="" xmlns:a16="http://schemas.microsoft.com/office/drawing/2014/main" id="{AC958862-8843-813C-3296-65F2F0DF36E2}"/>
+                <a16:creationId xmlns:a16="http://schemas.microsoft.com/office/drawing/2014/main" xmlns="" id="{AC958862-8843-813C-3296-65F2F0DF36E2}"/>
               </a:ext>
             </a:extLst>
           </p:cNvPr>
@@ -2730,7 +2735,7 @@
           <p:cNvPr id="7" name="Slide Number Placeholder 6">
             <a:extLst>
               <a:ext uri="{FF2B5EF4-FFF2-40B4-BE49-F238E27FC236}">
-                <a16:creationId xmlns="" xmlns:a16="http://schemas.microsoft.com/office/drawing/2014/main" id="{EBE10510-ECAD-5359-AC87-017A66B24074}"/>
+                <a16:creationId xmlns:a16="http://schemas.microsoft.com/office/drawing/2014/main" xmlns="" id="{EBE10510-ECAD-5359-AC87-017A66B24074}"/>
               </a:ext>
             </a:extLst>
           </p:cNvPr>
@@ -2803,7 +2808,7 @@
           <p:cNvPr id="2" name="Title Placeholder 1">
             <a:extLst>
               <a:ext uri="{FF2B5EF4-FFF2-40B4-BE49-F238E27FC236}">
-                <a16:creationId xmlns="" xmlns:a16="http://schemas.microsoft.com/office/drawing/2014/main" id="{661B5536-E629-9017-9A6E-29E5A7AE8841}"/>
+                <a16:creationId xmlns:a16="http://schemas.microsoft.com/office/drawing/2014/main" xmlns="" id="{661B5536-E629-9017-9A6E-29E5A7AE8841}"/>
               </a:ext>
             </a:extLst>
           </p:cNvPr>
@@ -2842,7 +2847,7 @@
           <p:cNvPr id="3" name="Text Placeholder 2">
             <a:extLst>
               <a:ext uri="{FF2B5EF4-FFF2-40B4-BE49-F238E27FC236}">
-                <a16:creationId xmlns="" xmlns:a16="http://schemas.microsoft.com/office/drawing/2014/main" id="{5649017E-26F1-6C2F-26F2-C327778DFB07}"/>
+                <a16:creationId xmlns:a16="http://schemas.microsoft.com/office/drawing/2014/main" xmlns="" id="{5649017E-26F1-6C2F-26F2-C327778DFB07}"/>
               </a:ext>
             </a:extLst>
           </p:cNvPr>
@@ -2910,7 +2915,7 @@
           <p:cNvPr id="4" name="Date Placeholder 3">
             <a:extLst>
               <a:ext uri="{FF2B5EF4-FFF2-40B4-BE49-F238E27FC236}">
-                <a16:creationId xmlns="" xmlns:a16="http://schemas.microsoft.com/office/drawing/2014/main" id="{94CD4ECE-D225-66A8-3F69-B8BE390E3B7B}"/>
+                <a16:creationId xmlns:a16="http://schemas.microsoft.com/office/drawing/2014/main" xmlns="" id="{94CD4ECE-D225-66A8-3F69-B8BE390E3B7B}"/>
               </a:ext>
             </a:extLst>
           </p:cNvPr>
@@ -2946,7 +2951,7 @@
           <a:p>
             <a:fld id="{09328780-FE7F-4983-868D-23984954519B}" type="datetimeFigureOut">
               <a:rPr lang="en-GB" smtClean="0"/>
-              <a:t>23/11/2024</a:t>
+              <a:t>24/11/2024</a:t>
             </a:fld>
             <a:endParaRPr lang="en-GB"/>
           </a:p>
@@ -2957,7 +2962,7 @@
           <p:cNvPr id="5" name="Footer Placeholder 4">
             <a:extLst>
               <a:ext uri="{FF2B5EF4-FFF2-40B4-BE49-F238E27FC236}">
-                <a16:creationId xmlns="" xmlns:a16="http://schemas.microsoft.com/office/drawing/2014/main" id="{931D9BFD-41B9-6D70-FD79-2FCCE37B1036}"/>
+                <a16:creationId xmlns:a16="http://schemas.microsoft.com/office/drawing/2014/main" xmlns="" id="{931D9BFD-41B9-6D70-FD79-2FCCE37B1036}"/>
               </a:ext>
             </a:extLst>
           </p:cNvPr>
@@ -3000,7 +3005,7 @@
           <p:cNvPr id="6" name="Slide Number Placeholder 5">
             <a:extLst>
               <a:ext uri="{FF2B5EF4-FFF2-40B4-BE49-F238E27FC236}">
-                <a16:creationId xmlns="" xmlns:a16="http://schemas.microsoft.com/office/drawing/2014/main" id="{433DFCE2-1FC4-138B-0744-B6EADB0D1C85}"/>
+                <a16:creationId xmlns:a16="http://schemas.microsoft.com/office/drawing/2014/main" xmlns="" id="{433DFCE2-1FC4-138B-0744-B6EADB0D1C85}"/>
               </a:ext>
             </a:extLst>
           </p:cNvPr>
@@ -3419,19 +3424,6 @@
               </a:rPr>
               <a:t>CODE FORGE</a:t>
             </a:r>
-            <a:endParaRPr lang="en-GB" sz="8900" b="1" dirty="0">
-              <a:solidFill>
-                <a:schemeClr val="bg1"/>
-              </a:solidFill>
-              <a:effectLst>
-                <a:outerShdw blurRad="215900" dist="200025" dir="15000000" sy="30000" kx="-1800000" algn="bl" rotWithShape="0">
-                  <a:schemeClr val="bg1">
-                    <a:alpha val="44000"/>
-                  </a:schemeClr>
-                </a:outerShdw>
-              </a:effectLst>
-              <a:latin typeface="Franklin Gothic Heavy" panose="020B0903020102020204" pitchFamily="34" charset="0"/>
-            </a:endParaRPr>
           </a:p>
         </p:txBody>
       </p:sp>
@@ -3506,19 +3498,6 @@
               </a:rPr>
               <a:t>Contents</a:t>
             </a:r>
-            <a:endParaRPr lang="en-GB" sz="8000" b="1" dirty="0">
-              <a:solidFill>
-                <a:schemeClr val="bg1"/>
-              </a:solidFill>
-              <a:effectLst>
-                <a:outerShdw blurRad="215900" dist="200025" dir="15000000" sy="30000" kx="-1800000" algn="bl" rotWithShape="0">
-                  <a:schemeClr val="bg1">
-                    <a:alpha val="44000"/>
-                  </a:schemeClr>
-                </a:outerShdw>
-              </a:effectLst>
-              <a:latin typeface="Franklin Gothic Heavy" panose="020B0903020102020204" pitchFamily="34" charset="0"/>
-            </a:endParaRPr>
           </a:p>
         </p:txBody>
       </p:sp>
@@ -3606,12 +3585,6 @@
               </a:rPr>
               <a:t>Demo</a:t>
             </a:r>
-            <a:endParaRPr lang="en-GB" sz="3600" dirty="0">
-              <a:solidFill>
-                <a:srgbClr val="E4D2F2"/>
-              </a:solidFill>
-              <a:latin typeface="Franklin Gothic Demi" panose="020B0703020102020204" pitchFamily="34" charset="0"/>
-            </a:endParaRPr>
           </a:p>
         </p:txBody>
       </p:sp>
@@ -3691,37 +3664,8 @@
                 </a:effectLst>
                 <a:latin typeface="Franklin Gothic Demi" panose="020B0703020102020204" pitchFamily="34" charset="0"/>
               </a:rPr>
-              <a:t>About</a:t>
-            </a:r>
-            <a:r>
-              <a:rPr lang="en-GB" sz="7200" b="1" dirty="0">
-                <a:solidFill>
-                  <a:schemeClr val="bg1"/>
-                </a:solidFill>
-                <a:effectLst>
-                  <a:outerShdw blurRad="215900" dist="200025" dir="15000000" sy="30000" kx="-1800000" algn="bl" rotWithShape="0">
-                    <a:schemeClr val="bg1">
-                      <a:alpha val="44000"/>
-                    </a:schemeClr>
-                  </a:outerShdw>
-                </a:effectLst>
-                <a:latin typeface="Franklin Gothic Demi" panose="020B0703020102020204" pitchFamily="34" charset="0"/>
-              </a:rPr>
-              <a:t> Us</a:t>
-            </a:r>
-            <a:endParaRPr lang="en-GB" sz="7200" b="1" dirty="0">
-              <a:solidFill>
-                <a:schemeClr val="bg1"/>
-              </a:solidFill>
-              <a:effectLst>
-                <a:outerShdw blurRad="215900" dist="200025" dir="15000000" sy="30000" kx="-1800000" algn="bl" rotWithShape="0">
-                  <a:schemeClr val="bg1">
-                    <a:alpha val="44000"/>
-                  </a:schemeClr>
-                </a:outerShdw>
-              </a:effectLst>
-              <a:latin typeface="Franklin Gothic Demi" panose="020B0703020102020204" pitchFamily="34" charset="0"/>
-            </a:endParaRPr>
+              <a:t>About Us</a:t>
+            </a:r>
           </a:p>
         </p:txBody>
       </p:sp>
@@ -3784,15 +3728,7 @@
               <a:srgbClr val="FFFFFF"/>
             </a:contourClr>
           </a:sp3d>
-          <a:extLst>
-            <a:ext uri="{909E8E84-426E-40DD-AFC4-6F175D3DCCD1}">
-              <a14:hiddenFill xmlns:a14="http://schemas.microsoft.com/office/drawing/2010/main">
-                <a:solidFill>
-                  <a:srgbClr val="FFFFFF"/>
-                </a:solidFill>
-              </a14:hiddenFill>
-            </a:ext>
-          </a:extLst>
+          <a:extLst/>
         </p:spPr>
       </p:pic>
       <p:sp>
@@ -3889,12 +3825,6 @@
               </a:rPr>
               <a:t>Scrum Trainer</a:t>
             </a:r>
-            <a:endParaRPr lang="en-GB" b="1" dirty="0">
-              <a:solidFill>
-                <a:schemeClr val="bg1"/>
-              </a:solidFill>
-              <a:latin typeface="SF Pro Display" pitchFamily="2" charset="0"/>
-            </a:endParaRPr>
           </a:p>
         </p:txBody>
       </p:sp>
@@ -3957,15 +3887,7 @@
               <a:srgbClr val="FFFFFF"/>
             </a:contourClr>
           </a:sp3d>
-          <a:extLst>
-            <a:ext uri="{909E8E84-426E-40DD-AFC4-6F175D3DCCD1}">
-              <a14:hiddenFill xmlns:a14="http://schemas.microsoft.com/office/drawing/2010/main">
-                <a:solidFill>
-                  <a:srgbClr val="FFFFFF"/>
-                </a:solidFill>
-              </a14:hiddenFill>
-            </a:ext>
-          </a:extLst>
+          <a:extLst/>
         </p:spPr>
       </p:pic>
       <p:sp>
@@ -4135,15 +4057,7 @@
               <a:srgbClr val="FFFFFF"/>
             </a:contourClr>
           </a:sp3d>
-          <a:extLst>
-            <a:ext uri="{909E8E84-426E-40DD-AFC4-6F175D3DCCD1}">
-              <a14:hiddenFill xmlns:a14="http://schemas.microsoft.com/office/drawing/2010/main">
-                <a:solidFill>
-                  <a:srgbClr val="FFFFFF"/>
-                </a:solidFill>
-              </a14:hiddenFill>
-            </a:ext>
-          </a:extLst>
+          <a:extLst/>
         </p:spPr>
       </p:pic>
       <p:pic>
@@ -4205,15 +4119,7 @@
               <a:srgbClr val="FFFFFF"/>
             </a:contourClr>
           </a:sp3d>
-          <a:extLst>
-            <a:ext uri="{909E8E84-426E-40DD-AFC4-6F175D3DCCD1}">
-              <a14:hiddenFill xmlns:a14="http://schemas.microsoft.com/office/drawing/2010/main">
-                <a:solidFill>
-                  <a:srgbClr val="FFFFFF"/>
-                </a:solidFill>
-              </a14:hiddenFill>
-            </a:ext>
-          </a:extLst>
+          <a:extLst/>
         </p:spPr>
       </p:pic>
       <p:sp>
@@ -4460,19 +4366,6 @@
               </a:rPr>
               <a:t>Contents</a:t>
             </a:r>
-            <a:endParaRPr lang="en-GB" sz="8000" b="1" dirty="0">
-              <a:solidFill>
-                <a:schemeClr val="bg1"/>
-              </a:solidFill>
-              <a:effectLst>
-                <a:outerShdw blurRad="215900" dist="200025" dir="15000000" sy="30000" kx="-1800000" algn="bl" rotWithShape="0">
-                  <a:schemeClr val="bg1">
-                    <a:alpha val="44000"/>
-                  </a:schemeClr>
-                </a:outerShdw>
-              </a:effectLst>
-              <a:latin typeface="Franklin Gothic Heavy" panose="020B0903020102020204" pitchFamily="34" charset="0"/>
-            </a:endParaRPr>
           </a:p>
         </p:txBody>
       </p:sp>
@@ -4560,12 +4453,6 @@
               </a:rPr>
               <a:t>Demo</a:t>
             </a:r>
-            <a:endParaRPr lang="en-GB" sz="3600" dirty="0">
-              <a:solidFill>
-                <a:srgbClr val="E4D2F2"/>
-              </a:solidFill>
-              <a:latin typeface="Franklin Gothic Demi" panose="020B0703020102020204" pitchFamily="34" charset="0"/>
-            </a:endParaRPr>
           </a:p>
         </p:txBody>
       </p:sp>
@@ -4640,19 +4527,6 @@
               </a:rPr>
               <a:t>Our idea</a:t>
             </a:r>
-            <a:endParaRPr lang="en-GB" sz="7200" b="1" dirty="0">
-              <a:solidFill>
-                <a:schemeClr val="bg1"/>
-              </a:solidFill>
-              <a:effectLst>
-                <a:outerShdw blurRad="215900" dist="200025" dir="15000000" sy="30000" kx="-1800000" algn="bl" rotWithShape="0">
-                  <a:schemeClr val="bg1">
-                    <a:alpha val="44000"/>
-                  </a:schemeClr>
-                </a:outerShdw>
-              </a:effectLst>
-              <a:latin typeface="Franklin Gothic Demi" panose="020B0703020102020204" pitchFamily="34" charset="0"/>
-            </a:endParaRPr>
           </a:p>
         </p:txBody>
       </p:sp>
@@ -4706,12 +4580,6 @@
               </a:rPr>
               <a:t>" and "Word Scramble“.</a:t>
             </a:r>
-            <a:endParaRPr lang="en-GB" sz="2000" b="1" dirty="0">
-              <a:solidFill>
-                <a:srgbClr val="DBDEE1"/>
-              </a:solidFill>
-              <a:latin typeface="gg sans"/>
-            </a:endParaRPr>
           </a:p>
         </p:txBody>
       </p:sp>
@@ -4827,19 +4695,6 @@
               </a:rPr>
               <a:t>Contents</a:t>
             </a:r>
-            <a:endParaRPr lang="en-GB" sz="8000" b="1" dirty="0">
-              <a:solidFill>
-                <a:schemeClr val="bg1"/>
-              </a:solidFill>
-              <a:effectLst>
-                <a:outerShdw blurRad="215900" dist="200025" dir="15000000" sy="30000" kx="-1800000" algn="bl" rotWithShape="0">
-                  <a:schemeClr val="bg1">
-                    <a:alpha val="44000"/>
-                  </a:schemeClr>
-                </a:outerShdw>
-              </a:effectLst>
-              <a:latin typeface="Franklin Gothic Heavy" panose="020B0903020102020204" pitchFamily="34" charset="0"/>
-            </a:endParaRPr>
           </a:p>
         </p:txBody>
       </p:sp>
@@ -4927,12 +4782,6 @@
               </a:rPr>
               <a:t>Demo</a:t>
             </a:r>
-            <a:endParaRPr lang="en-GB" sz="3600" dirty="0">
-              <a:solidFill>
-                <a:srgbClr val="E4D2F2"/>
-              </a:solidFill>
-              <a:latin typeface="Franklin Gothic Demi" panose="020B0703020102020204" pitchFamily="34" charset="0"/>
-            </a:endParaRPr>
           </a:p>
         </p:txBody>
       </p:sp>
@@ -5007,19 +4856,6 @@
               </a:rPr>
               <a:t>Technologies</a:t>
             </a:r>
-            <a:endParaRPr lang="en-GB" sz="7200" b="1" dirty="0">
-              <a:solidFill>
-                <a:schemeClr val="bg1"/>
-              </a:solidFill>
-              <a:effectLst>
-                <a:outerShdw blurRad="215900" dist="200025" dir="15000000" sy="30000" kx="-1800000" algn="bl" rotWithShape="0">
-                  <a:schemeClr val="bg1">
-                    <a:alpha val="44000"/>
-                  </a:schemeClr>
-                </a:outerShdw>
-              </a:effectLst>
-              <a:latin typeface="Franklin Gothic Demi" panose="020B0703020102020204" pitchFamily="34" charset="0"/>
-            </a:endParaRPr>
           </a:p>
         </p:txBody>
       </p:sp>
@@ -5028,7 +4864,7 @@
           <p:cNvPr id="3" name="Picture 2">
             <a:extLst>
               <a:ext uri="{FF2B5EF4-FFF2-40B4-BE49-F238E27FC236}">
-                <a16:creationId xmlns:a16="http://schemas.microsoft.com/office/drawing/2014/main" xmlns="" id="{079D7682-4790-42BA-A066-9CD08BC3106C}"/>
+                <a16:creationId xmlns="" xmlns:a16="http://schemas.microsoft.com/office/drawing/2014/main" id="{079D7682-4790-42BA-A066-9CD08BC3106C}"/>
               </a:ext>
             </a:extLst>
           </p:cNvPr>
@@ -5051,7 +4887,7 @@
         </p:blipFill>
         <p:spPr>
           <a:xfrm>
-            <a:off x="5862462" y="4721390"/>
+            <a:off x="6096000" y="4721390"/>
             <a:ext cx="1348982" cy="1348982"/>
           </a:xfrm>
           <a:prstGeom prst="rect">
@@ -5069,7 +4905,7 @@
           <p:cNvPr id="4" name="Picture 3">
             <a:extLst>
               <a:ext uri="{FF2B5EF4-FFF2-40B4-BE49-F238E27FC236}">
-                <a16:creationId xmlns:a16="http://schemas.microsoft.com/office/drawing/2014/main" xmlns="" id="{1F09364E-F47E-406F-8445-9E831B62F697}"/>
+                <a16:creationId xmlns="" xmlns:a16="http://schemas.microsoft.com/office/drawing/2014/main" id="{1F09364E-F47E-406F-8445-9E831B62F697}"/>
               </a:ext>
             </a:extLst>
           </p:cNvPr>
@@ -5110,7 +4946,7 @@
           <p:cNvPr id="5" name="Picture 4">
             <a:extLst>
               <a:ext uri="{FF2B5EF4-FFF2-40B4-BE49-F238E27FC236}">
-                <a16:creationId xmlns:a16="http://schemas.microsoft.com/office/drawing/2014/main" xmlns="" id="{C4DFD678-FFA2-4EB1-BE65-CEC22E5F6562}"/>
+                <a16:creationId xmlns="" xmlns:a16="http://schemas.microsoft.com/office/drawing/2014/main" id="{C4DFD678-FFA2-4EB1-BE65-CEC22E5F6562}"/>
               </a:ext>
             </a:extLst>
           </p:cNvPr>
@@ -5151,7 +4987,7 @@
           <p:cNvPr id="6" name="Picture 5">
             <a:extLst>
               <a:ext uri="{FF2B5EF4-FFF2-40B4-BE49-F238E27FC236}">
-                <a16:creationId xmlns:a16="http://schemas.microsoft.com/office/drawing/2014/main" xmlns="" id="{490D2F3B-01F4-4AD6-9AC3-5E39228B49D0}"/>
+                <a16:creationId xmlns="" xmlns:a16="http://schemas.microsoft.com/office/drawing/2014/main" id="{490D2F3B-01F4-4AD6-9AC3-5E39228B49D0}"/>
               </a:ext>
             </a:extLst>
           </p:cNvPr>
@@ -5192,7 +5028,7 @@
           <p:cNvPr id="7" name="Picture 6">
             <a:extLst>
               <a:ext uri="{FF2B5EF4-FFF2-40B4-BE49-F238E27FC236}">
-                <a16:creationId xmlns:a16="http://schemas.microsoft.com/office/drawing/2014/main" xmlns="" id="{08BECC53-FF96-4783-A47F-EE1AB1CFE304}"/>
+                <a16:creationId xmlns="" xmlns:a16="http://schemas.microsoft.com/office/drawing/2014/main" id="{08BECC53-FF96-4783-A47F-EE1AB1CFE304}"/>
               </a:ext>
             </a:extLst>
           </p:cNvPr>
@@ -5381,19 +5217,6 @@
               </a:rPr>
               <a:t>Contents</a:t>
             </a:r>
-            <a:endParaRPr lang="en-GB" sz="8000" b="1" dirty="0">
-              <a:solidFill>
-                <a:schemeClr val="bg1"/>
-              </a:solidFill>
-              <a:effectLst>
-                <a:outerShdw blurRad="215900" dist="200025" dir="15000000" sy="30000" kx="-1800000" algn="bl" rotWithShape="0">
-                  <a:schemeClr val="bg1">
-                    <a:alpha val="44000"/>
-                  </a:schemeClr>
-                </a:outerShdw>
-              </a:effectLst>
-              <a:latin typeface="Franklin Gothic Heavy" panose="020B0903020102020204" pitchFamily="34" charset="0"/>
-            </a:endParaRPr>
           </a:p>
         </p:txBody>
       </p:sp>
@@ -5481,12 +5304,6 @@
               </a:rPr>
               <a:t>Demo</a:t>
             </a:r>
-            <a:endParaRPr lang="en-GB" sz="3600" dirty="0">
-              <a:solidFill>
-                <a:srgbClr val="E4D2F2"/>
-              </a:solidFill>
-              <a:latin typeface="Franklin Gothic Demi" panose="020B0703020102020204" pitchFamily="34" charset="0"/>
-            </a:endParaRPr>
           </a:p>
         </p:txBody>
       </p:sp>
@@ -5573,21 +5390,6 @@
               </a:rPr>
               <a:t>Now let’s check out a quick demo</a:t>
             </a:r>
-            <a:endParaRPr lang="en-GB" sz="7200" b="1" dirty="0">
-              <a:solidFill>
-                <a:schemeClr val="bg1"/>
-              </a:solidFill>
-              <a:effectLst>
-                <a:outerShdw blurRad="215900" dist="200025" dir="15000000" sy="30000" kx="-1800000" algn="bl" rotWithShape="0">
-                  <a:schemeClr val="bg1">
-                    <a:alpha val="44000"/>
-                  </a:schemeClr>
-                </a:outerShdw>
-              </a:effectLst>
-              <a:latin typeface="Franklin Gothic Heavy" panose="020B0903020102020204" pitchFamily="34" charset="0"/>
-              <a:ea typeface="+mj-ea"/>
-              <a:cs typeface="+mj-cs"/>
-            </a:endParaRPr>
           </a:p>
         </p:txBody>
       </p:sp>
